--- a/Aula11-Manipulação de Estados/Aula11-Manipulação de Estados.pptx
+++ b/Aula11-Manipulação de Estados/Aula11-Manipulação de Estados.pptx
@@ -3371,7 +3371,7 @@
         <p:spPr>
           <a:xfrm>
             <a:off x="814372" y="7555634"/>
-            <a:ext cx="11682427" cy="1195264"/>
+            <a:ext cx="11682427" cy="3080395"/>
           </a:xfrm>
           <a:prstGeom prst="rect">
             <a:avLst/>
@@ -3422,8 +3422,31 @@
                 </a:solidFill>
                 <a:latin typeface="Lato"/>
               </a:rPr>
-              <a:t>: João Victor, Paulo Vitor e </a:t>
-            </a:r>
+              <a:t>:</a:t>
+            </a:r>
+          </a:p>
+          <a:p>
+            <a:pPr>
+              <a:lnSpc>
+                <a:spcPts val="4900"/>
+              </a:lnSpc>
+            </a:pPr>
+            <a:r>
+              <a:rPr lang="en-US" sz="3500" spc="350" dirty="0">
+                <a:solidFill>
+                  <a:srgbClr val="000000"/>
+                </a:solidFill>
+                <a:latin typeface="Lato"/>
+              </a:rPr>
+              <a:t>Paulo Vitor</a:t>
+            </a:r>
+          </a:p>
+          <a:p>
+            <a:pPr>
+              <a:lnSpc>
+                <a:spcPts val="4900"/>
+              </a:lnSpc>
+            </a:pPr>
             <a:r>
               <a:rPr lang="en-US" sz="3500" spc="350" dirty="0" err="1">
                 <a:solidFill>
@@ -3440,8 +3463,37 @@
                 </a:solidFill>
                 <a:latin typeface="Lato"/>
               </a:rPr>
-              <a:t> Vasconcelos </a:t>
-            </a:r>
+              <a:t> Vasconcelos</a:t>
+            </a:r>
+          </a:p>
+          <a:p>
+            <a:pPr>
+              <a:lnSpc>
+                <a:spcPts val="4900"/>
+              </a:lnSpc>
+            </a:pPr>
+            <a:r>
+              <a:rPr lang="en-US" sz="3500" spc="350" dirty="0">
+                <a:solidFill>
+                  <a:srgbClr val="000000"/>
+                </a:solidFill>
+                <a:latin typeface="Lato"/>
+              </a:rPr>
+              <a:t>João Hungria</a:t>
+            </a:r>
+          </a:p>
+          <a:p>
+            <a:pPr>
+              <a:lnSpc>
+                <a:spcPts val="4900"/>
+              </a:lnSpc>
+            </a:pPr>
+            <a:endParaRPr lang="en-US" sz="3500" spc="350" dirty="0">
+              <a:solidFill>
+                <a:srgbClr val="000000"/>
+              </a:solidFill>
+              <a:latin typeface="Lato"/>
+            </a:endParaRPr>
           </a:p>
         </p:txBody>
       </p:sp>
@@ -6237,10 +6289,10 @@
       </p:sp>
       <p:pic>
         <p:nvPicPr>
-          <p:cNvPr id="3" name="Imagem 2">
+          <p:cNvPr id="4" name="Imagem 3">
             <a:extLst>
               <a:ext uri="{FF2B5EF4-FFF2-40B4-BE49-F238E27FC236}">
-                <a16:creationId xmlns:a16="http://schemas.microsoft.com/office/drawing/2014/main" id="{C07BD6E7-1CF4-6216-AAC8-641422C98131}"/>
+                <a16:creationId xmlns:a16="http://schemas.microsoft.com/office/drawing/2014/main" id="{6E9ED6FE-AA33-AEBB-DF15-E6D64FB20C92}"/>
               </a:ext>
             </a:extLst>
           </p:cNvPr>
@@ -6257,8 +6309,8 @@
         </p:blipFill>
         <p:spPr>
           <a:xfrm>
-            <a:off x="10668000" y="1875671"/>
-            <a:ext cx="6992326" cy="5401429"/>
+            <a:off x="10378478" y="2476500"/>
+            <a:ext cx="7081784" cy="4821640"/>
           </a:xfrm>
           <a:prstGeom prst="rect">
             <a:avLst/>
@@ -7379,28 +7431,28 @@
       </p:sp>
       <p:pic>
         <p:nvPicPr>
-          <p:cNvPr id="4" name="Imagem 3">
-            <a:extLst>
-              <a:ext uri="{FF2B5EF4-FFF2-40B4-BE49-F238E27FC236}">
-                <a16:creationId xmlns:a16="http://schemas.microsoft.com/office/drawing/2014/main" id="{6FAA4800-E705-2C7A-D9D4-8A93A78BD796}"/>
-              </a:ext>
-            </a:extLst>
-          </p:cNvPr>
+          <p:cNvPr id="3" name="Imagem 2"/>
           <p:cNvPicPr>
             <a:picLocks noChangeAspect="1"/>
           </p:cNvPicPr>
           <p:nvPr/>
         </p:nvPicPr>
         <p:blipFill>
-          <a:blip r:embed="rId2"/>
+          <a:blip r:embed="rId2">
+            <a:extLst>
+              <a:ext uri="{28A0092B-C50C-407E-A947-70E740481C1C}">
+                <a14:useLocalDpi xmlns:a14="http://schemas.microsoft.com/office/drawing/2010/main" val="0"/>
+              </a:ext>
+            </a:extLst>
+          </a:blip>
           <a:stretch>
             <a:fillRect/>
           </a:stretch>
         </p:blipFill>
         <p:spPr>
           <a:xfrm>
-            <a:off x="10744200" y="2963660"/>
-            <a:ext cx="7154273" cy="4334480"/>
+            <a:off x="10515600" y="3162300"/>
+            <a:ext cx="7412776" cy="3812719"/>
           </a:xfrm>
           <a:prstGeom prst="rect">
             <a:avLst/>
@@ -7548,28 +7600,57 @@
       </p:sp>
       <p:pic>
         <p:nvPicPr>
-          <p:cNvPr id="3" name="Imagem 2">
-            <a:extLst>
-              <a:ext uri="{FF2B5EF4-FFF2-40B4-BE49-F238E27FC236}">
-                <a16:creationId xmlns:a16="http://schemas.microsoft.com/office/drawing/2014/main" id="{AD985295-C0E4-9E91-BF0F-2A1B7785C3C3}"/>
-              </a:ext>
-            </a:extLst>
-          </p:cNvPr>
+          <p:cNvPr id="4" name="Imagem 3"/>
           <p:cNvPicPr>
             <a:picLocks noChangeAspect="1"/>
           </p:cNvPicPr>
           <p:nvPr/>
         </p:nvPicPr>
         <p:blipFill>
-          <a:blip r:embed="rId2"/>
+          <a:blip r:embed="rId2">
+            <a:extLst>
+              <a:ext uri="{28A0092B-C50C-407E-A947-70E740481C1C}">
+                <a14:useLocalDpi xmlns:a14="http://schemas.microsoft.com/office/drawing/2010/main" val="0"/>
+              </a:ext>
+            </a:extLst>
+          </a:blip>
           <a:stretch>
             <a:fillRect/>
           </a:stretch>
         </p:blipFill>
         <p:spPr>
           <a:xfrm>
-            <a:off x="4885730" y="1030490"/>
-            <a:ext cx="8516539" cy="7659169"/>
+            <a:off x="4604793" y="952500"/>
+            <a:ext cx="4191000" cy="7667978"/>
+          </a:xfrm>
+          <a:prstGeom prst="rect">
+            <a:avLst/>
+          </a:prstGeom>
+        </p:spPr>
+      </p:pic>
+      <p:pic>
+        <p:nvPicPr>
+          <p:cNvPr id="5" name="Imagem 4"/>
+          <p:cNvPicPr>
+            <a:picLocks noChangeAspect="1"/>
+          </p:cNvPicPr>
+          <p:nvPr/>
+        </p:nvPicPr>
+        <p:blipFill rotWithShape="1">
+          <a:blip r:embed="rId3">
+            <a:extLst>
+              <a:ext uri="{28A0092B-C50C-407E-A947-70E740481C1C}">
+                <a14:useLocalDpi xmlns:a14="http://schemas.microsoft.com/office/drawing/2010/main" val="0"/>
+              </a:ext>
+            </a:extLst>
+          </a:blip>
+          <a:srcRect l="2930"/>
+          <a:stretch/>
+        </p:blipFill>
+        <p:spPr>
+          <a:xfrm>
+            <a:off x="9372599" y="952500"/>
+            <a:ext cx="4088577" cy="7667978"/>
           </a:xfrm>
           <a:prstGeom prst="rect">
             <a:avLst/>
@@ -8533,7 +8614,7 @@
         </p:nvSpPr>
         <p:spPr>
           <a:xfrm>
-            <a:off x="12506248" y="6519081"/>
+            <a:off x="11965064" y="7579519"/>
             <a:ext cx="3510898" cy="461665"/>
           </a:xfrm>
           <a:prstGeom prst="rect">
@@ -8574,28 +8655,28 @@
       </p:sp>
       <p:pic>
         <p:nvPicPr>
-          <p:cNvPr id="5" name="Imagem 4">
-            <a:extLst>
-              <a:ext uri="{FF2B5EF4-FFF2-40B4-BE49-F238E27FC236}">
-                <a16:creationId xmlns:a16="http://schemas.microsoft.com/office/drawing/2014/main" id="{338FB6B1-AAA3-983E-4F32-D31F02940765}"/>
-              </a:ext>
-            </a:extLst>
-          </p:cNvPr>
+          <p:cNvPr id="4" name="Imagem 3"/>
           <p:cNvPicPr>
             <a:picLocks noChangeAspect="1"/>
           </p:cNvPicPr>
           <p:nvPr/>
         </p:nvPicPr>
         <p:blipFill>
-          <a:blip r:embed="rId2"/>
+          <a:blip r:embed="rId2">
+            <a:extLst>
+              <a:ext uri="{28A0092B-C50C-407E-A947-70E740481C1C}">
+                <a14:useLocalDpi xmlns:a14="http://schemas.microsoft.com/office/drawing/2010/main" val="0"/>
+              </a:ext>
+            </a:extLst>
+          </a:blip>
           <a:stretch>
             <a:fillRect/>
           </a:stretch>
         </p:blipFill>
         <p:spPr>
           <a:xfrm>
-            <a:off x="10820399" y="3900314"/>
-            <a:ext cx="6882597" cy="2614786"/>
+            <a:off x="10287000" y="3540919"/>
+            <a:ext cx="6867026" cy="4038600"/>
           </a:xfrm>
           <a:prstGeom prst="rect">
             <a:avLst/>
@@ -8694,6 +8775,66 @@
           </p:txBody>
         </p:sp>
       </p:grpSp>
+      <p:pic>
+        <p:nvPicPr>
+          <p:cNvPr id="2" name="Imagem 1"/>
+          <p:cNvPicPr>
+            <a:picLocks noChangeAspect="1"/>
+          </p:cNvPicPr>
+          <p:nvPr/>
+        </p:nvPicPr>
+        <p:blipFill>
+          <a:blip r:embed="rId2">
+            <a:extLst>
+              <a:ext uri="{28A0092B-C50C-407E-A947-70E740481C1C}">
+                <a14:useLocalDpi xmlns:a14="http://schemas.microsoft.com/office/drawing/2010/main" val="0"/>
+              </a:ext>
+            </a:extLst>
+          </a:blip>
+          <a:stretch>
+            <a:fillRect/>
+          </a:stretch>
+        </p:blipFill>
+        <p:spPr>
+          <a:xfrm>
+            <a:off x="4495800" y="817982"/>
+            <a:ext cx="4419600" cy="8210192"/>
+          </a:xfrm>
+          <a:prstGeom prst="rect">
+            <a:avLst/>
+          </a:prstGeom>
+        </p:spPr>
+      </p:pic>
+      <p:pic>
+        <p:nvPicPr>
+          <p:cNvPr id="3" name="Imagem 2"/>
+          <p:cNvPicPr>
+            <a:picLocks noChangeAspect="1"/>
+          </p:cNvPicPr>
+          <p:nvPr/>
+        </p:nvPicPr>
+        <p:blipFill>
+          <a:blip r:embed="rId3">
+            <a:extLst>
+              <a:ext uri="{28A0092B-C50C-407E-A947-70E740481C1C}">
+                <a14:useLocalDpi xmlns:a14="http://schemas.microsoft.com/office/drawing/2010/main" val="0"/>
+              </a:ext>
+            </a:extLst>
+          </a:blip>
+          <a:stretch>
+            <a:fillRect/>
+          </a:stretch>
+        </p:blipFill>
+        <p:spPr>
+          <a:xfrm>
+            <a:off x="9448800" y="817982"/>
+            <a:ext cx="4438844" cy="8210192"/>
+          </a:xfrm>
+          <a:prstGeom prst="rect">
+            <a:avLst/>
+          </a:prstGeom>
+        </p:spPr>
+      </p:pic>
       <p:sp>
         <p:nvSpPr>
           <p:cNvPr id="8" name="CaixaDeTexto 7"/>
@@ -8702,7 +8843,7 @@
         </p:nvSpPr>
         <p:spPr>
           <a:xfrm>
-            <a:off x="6400800" y="8496300"/>
+            <a:off x="6935933" y="9258300"/>
             <a:ext cx="5025736" cy="461665"/>
           </a:xfrm>
           <a:prstGeom prst="rect">
@@ -8741,66 +8882,6 @@
           </a:p>
         </p:txBody>
       </p:sp>
-      <p:pic>
-        <p:nvPicPr>
-          <p:cNvPr id="5" name="Imagem 4">
-            <a:extLst>
-              <a:ext uri="{FF2B5EF4-FFF2-40B4-BE49-F238E27FC236}">
-                <a16:creationId xmlns:a16="http://schemas.microsoft.com/office/drawing/2014/main" id="{425C8378-F7A9-24BC-AAC5-24DE31606F4F}"/>
-              </a:ext>
-            </a:extLst>
-          </p:cNvPr>
-          <p:cNvPicPr>
-            <a:picLocks noChangeAspect="1"/>
-          </p:cNvPicPr>
-          <p:nvPr/>
-        </p:nvPicPr>
-        <p:blipFill>
-          <a:blip r:embed="rId2"/>
-          <a:stretch>
-            <a:fillRect/>
-          </a:stretch>
-        </p:blipFill>
-        <p:spPr>
-          <a:xfrm>
-            <a:off x="1828800" y="1790700"/>
-            <a:ext cx="6800270" cy="6100465"/>
-          </a:xfrm>
-          <a:prstGeom prst="rect">
-            <a:avLst/>
-          </a:prstGeom>
-        </p:spPr>
-      </p:pic>
-      <p:pic>
-        <p:nvPicPr>
-          <p:cNvPr id="7" name="Imagem 6">
-            <a:extLst>
-              <a:ext uri="{FF2B5EF4-FFF2-40B4-BE49-F238E27FC236}">
-                <a16:creationId xmlns:a16="http://schemas.microsoft.com/office/drawing/2014/main" id="{0BB74C8D-630E-8B70-A195-D944A64BCD4E}"/>
-              </a:ext>
-            </a:extLst>
-          </p:cNvPr>
-          <p:cNvPicPr>
-            <a:picLocks noChangeAspect="1"/>
-          </p:cNvPicPr>
-          <p:nvPr/>
-        </p:nvPicPr>
-        <p:blipFill>
-          <a:blip r:embed="rId3"/>
-          <a:stretch>
-            <a:fillRect/>
-          </a:stretch>
-        </p:blipFill>
-        <p:spPr>
-          <a:xfrm>
-            <a:off x="9210829" y="1790700"/>
-            <a:ext cx="6800269" cy="6107296"/>
-          </a:xfrm>
-          <a:prstGeom prst="rect">
-            <a:avLst/>
-          </a:prstGeom>
-        </p:spPr>
-      </p:pic>
     </p:spTree>
     <p:extLst>
       <p:ext uri="{BB962C8B-B14F-4D97-AF65-F5344CB8AC3E}">
@@ -9104,7 +9185,7 @@
         <p:spPr>
           <a:xfrm>
             <a:off x="228600" y="1409700"/>
-            <a:ext cx="9448800" cy="7325595"/>
+            <a:ext cx="9448800" cy="8002191"/>
           </a:xfrm>
           <a:prstGeom prst="rect">
             <a:avLst/>
@@ -9497,7 +9578,51 @@
                 <a:ea typeface="Lato" panose="020B0604020202020204" charset="0"/>
                 <a:cs typeface="Lato" panose="020B0604020202020204" charset="0"/>
               </a:rPr>
-              <a:t> dados das tasks entre </a:t>
+              <a:t> dados “</a:t>
+            </a:r>
+            <a:r>
+              <a:rPr lang="en-US" sz="3399" spc="339" dirty="0" err="1">
+                <a:solidFill>
+                  <a:srgbClr val="000000"/>
+                </a:solidFill>
+                <a:latin typeface="Lato" panose="020B0604020202020204" charset="0"/>
+                <a:ea typeface="Lato" panose="020B0604020202020204" charset="0"/>
+                <a:cs typeface="Lato" panose="020B0604020202020204" charset="0"/>
+              </a:rPr>
+              <a:t>nome</a:t>
+            </a:r>
+            <a:r>
+              <a:rPr lang="en-US" sz="3399" spc="339" dirty="0">
+                <a:solidFill>
+                  <a:srgbClr val="000000"/>
+                </a:solidFill>
+                <a:latin typeface="Lato" panose="020B0604020202020204" charset="0"/>
+                <a:ea typeface="Lato" panose="020B0604020202020204" charset="0"/>
+                <a:cs typeface="Lato" panose="020B0604020202020204" charset="0"/>
+              </a:rPr>
+              <a:t>” e “</a:t>
+            </a:r>
+            <a:r>
+              <a:rPr lang="en-US" sz="3399" spc="339" dirty="0" err="1">
+                <a:solidFill>
+                  <a:srgbClr val="000000"/>
+                </a:solidFill>
+                <a:latin typeface="Lato" panose="020B0604020202020204" charset="0"/>
+                <a:ea typeface="Lato" panose="020B0604020202020204" charset="0"/>
+                <a:cs typeface="Lato" panose="020B0604020202020204" charset="0"/>
+              </a:rPr>
+              <a:t>idade</a:t>
+            </a:r>
+            <a:r>
+              <a:rPr lang="en-US" sz="3399" spc="339" dirty="0">
+                <a:solidFill>
+                  <a:srgbClr val="000000"/>
+                </a:solidFill>
+                <a:latin typeface="Lato" panose="020B0604020202020204" charset="0"/>
+                <a:ea typeface="Lato" panose="020B0604020202020204" charset="0"/>
+                <a:cs typeface="Lato" panose="020B0604020202020204" charset="0"/>
+              </a:rPr>
+              <a:t>” entre </a:t>
             </a:r>
             <a:r>
               <a:rPr lang="en-US" sz="3399" spc="339" dirty="0" err="1">
@@ -9778,7 +9903,7 @@
         </p:nvSpPr>
         <p:spPr>
           <a:xfrm>
-            <a:off x="11621005" y="6896100"/>
+            <a:off x="11319275" y="7451556"/>
             <a:ext cx="5052986" cy="461665"/>
           </a:xfrm>
           <a:prstGeom prst="rect">
@@ -9819,28 +9944,28 @@
       </p:sp>
       <p:pic>
         <p:nvPicPr>
-          <p:cNvPr id="5" name="Imagem 4">
-            <a:extLst>
-              <a:ext uri="{FF2B5EF4-FFF2-40B4-BE49-F238E27FC236}">
-                <a16:creationId xmlns:a16="http://schemas.microsoft.com/office/drawing/2014/main" id="{1AB04CF5-25A5-554C-6BBE-28695939D5DC}"/>
-              </a:ext>
-            </a:extLst>
-          </p:cNvPr>
+          <p:cNvPr id="2" name="Imagem 1"/>
           <p:cNvPicPr>
             <a:picLocks noChangeAspect="1"/>
           </p:cNvPicPr>
           <p:nvPr/>
         </p:nvPicPr>
         <p:blipFill>
-          <a:blip r:embed="rId2"/>
+          <a:blip r:embed="rId2">
+            <a:extLst>
+              <a:ext uri="{28A0092B-C50C-407E-A947-70E740481C1C}">
+                <a14:useLocalDpi xmlns:a14="http://schemas.microsoft.com/office/drawing/2010/main" val="0"/>
+              </a:ext>
+            </a:extLst>
+          </a:blip>
           <a:stretch>
             <a:fillRect/>
           </a:stretch>
         </p:blipFill>
         <p:spPr>
           <a:xfrm>
-            <a:off x="10744200" y="3924300"/>
-            <a:ext cx="6806596" cy="2833260"/>
+            <a:off x="10112263" y="2933700"/>
+            <a:ext cx="7851776" cy="4275436"/>
           </a:xfrm>
           <a:prstGeom prst="rect">
             <a:avLst/>
@@ -11430,6 +11555,64 @@
           </p:txBody>
         </p:sp>
       </p:grpSp>
+      <p:pic>
+        <p:nvPicPr>
+          <p:cNvPr id="2" name="Imagem 1"/>
+          <p:cNvPicPr>
+            <a:picLocks noChangeAspect="1"/>
+          </p:cNvPicPr>
+          <p:nvPr/>
+        </p:nvPicPr>
+        <p:blipFill rotWithShape="1">
+          <a:blip r:embed="rId2">
+            <a:extLst>
+              <a:ext uri="{28A0092B-C50C-407E-A947-70E740481C1C}">
+                <a14:useLocalDpi xmlns:a14="http://schemas.microsoft.com/office/drawing/2010/main" val="0"/>
+              </a:ext>
+            </a:extLst>
+          </a:blip>
+          <a:srcRect l="1742" t="774" b="638"/>
+          <a:stretch/>
+        </p:blipFill>
+        <p:spPr>
+          <a:xfrm>
+            <a:off x="9296400" y="810362"/>
+            <a:ext cx="4419600" cy="8304249"/>
+          </a:xfrm>
+          <a:prstGeom prst="rect">
+            <a:avLst/>
+          </a:prstGeom>
+        </p:spPr>
+      </p:pic>
+      <p:pic>
+        <p:nvPicPr>
+          <p:cNvPr id="3" name="Imagem 2"/>
+          <p:cNvPicPr>
+            <a:picLocks noChangeAspect="1"/>
+          </p:cNvPicPr>
+          <p:nvPr/>
+        </p:nvPicPr>
+        <p:blipFill rotWithShape="1">
+          <a:blip r:embed="rId3">
+            <a:extLst>
+              <a:ext uri="{28A0092B-C50C-407E-A947-70E740481C1C}">
+                <a14:useLocalDpi xmlns:a14="http://schemas.microsoft.com/office/drawing/2010/main" val="0"/>
+              </a:ext>
+            </a:extLst>
+          </a:blip>
+          <a:srcRect r="2673"/>
+          <a:stretch/>
+        </p:blipFill>
+        <p:spPr>
+          <a:xfrm>
+            <a:off x="4267200" y="810362"/>
+            <a:ext cx="4343400" cy="8304249"/>
+          </a:xfrm>
+          <a:prstGeom prst="rect">
+            <a:avLst/>
+          </a:prstGeom>
+        </p:spPr>
+      </p:pic>
       <p:sp>
         <p:nvSpPr>
           <p:cNvPr id="8" name="CaixaDeTexto 7"/>
@@ -11438,7 +11621,7 @@
         </p:nvSpPr>
         <p:spPr>
           <a:xfrm>
-            <a:off x="5033404" y="8811898"/>
+            <a:off x="6377159" y="9334500"/>
             <a:ext cx="6167074" cy="461665"/>
           </a:xfrm>
           <a:prstGeom prst="rect">
@@ -11454,12 +11637,20 @@
           <a:p>
             <a:pPr algn="ctr"/>
             <a:r>
+              <a:rPr lang="pt-BR" sz="2400">
+                <a:latin typeface="Lato" panose="020B0604020202020204" charset="0"/>
+                <a:ea typeface="Lato" panose="020B0604020202020204" charset="0"/>
+                <a:cs typeface="Lato" panose="020B0604020202020204" charset="0"/>
+              </a:rPr>
+              <a:t>Figura 11 </a:t>
+            </a:r>
+            <a:r>
               <a:rPr lang="pt-BR" sz="2400" dirty="0">
                 <a:latin typeface="Lato" panose="020B0604020202020204" charset="0"/>
                 <a:ea typeface="Lato" panose="020B0604020202020204" charset="0"/>
                 <a:cs typeface="Lato" panose="020B0604020202020204" charset="0"/>
               </a:rPr>
-              <a:t>Figura 11 – Exemplo com o </a:t>
+              <a:t>– Exemplo com o </a:t>
             </a:r>
             <a:r>
               <a:rPr lang="pt-BR" sz="2400" dirty="0" err="1">
@@ -11477,96 +11668,6 @@
           </a:p>
         </p:txBody>
       </p:sp>
-      <p:pic>
-        <p:nvPicPr>
-          <p:cNvPr id="5" name="Imagem 4">
-            <a:extLst>
-              <a:ext uri="{FF2B5EF4-FFF2-40B4-BE49-F238E27FC236}">
-                <a16:creationId xmlns:a16="http://schemas.microsoft.com/office/drawing/2014/main" id="{B4C2E720-0044-6176-2096-009CE3976F72}"/>
-              </a:ext>
-            </a:extLst>
-          </p:cNvPr>
-          <p:cNvPicPr>
-            <a:picLocks noChangeAspect="1"/>
-          </p:cNvPicPr>
-          <p:nvPr/>
-        </p:nvPicPr>
-        <p:blipFill>
-          <a:blip r:embed="rId2"/>
-          <a:stretch>
-            <a:fillRect/>
-          </a:stretch>
-        </p:blipFill>
-        <p:spPr>
-          <a:xfrm>
-            <a:off x="1806483" y="1012868"/>
-            <a:ext cx="5791200" cy="5194570"/>
-          </a:xfrm>
-          <a:prstGeom prst="rect">
-            <a:avLst/>
-          </a:prstGeom>
-        </p:spPr>
-      </p:pic>
-      <p:pic>
-        <p:nvPicPr>
-          <p:cNvPr id="7" name="Imagem 6">
-            <a:extLst>
-              <a:ext uri="{FF2B5EF4-FFF2-40B4-BE49-F238E27FC236}">
-                <a16:creationId xmlns:a16="http://schemas.microsoft.com/office/drawing/2014/main" id="{E7AD49F5-2538-4C9C-456E-44351B544257}"/>
-              </a:ext>
-            </a:extLst>
-          </p:cNvPr>
-          <p:cNvPicPr>
-            <a:picLocks noChangeAspect="1"/>
-          </p:cNvPicPr>
-          <p:nvPr/>
-        </p:nvPicPr>
-        <p:blipFill>
-          <a:blip r:embed="rId3"/>
-          <a:stretch>
-            <a:fillRect/>
-          </a:stretch>
-        </p:blipFill>
-        <p:spPr>
-          <a:xfrm>
-            <a:off x="4114800" y="6223270"/>
-            <a:ext cx="8004283" cy="2411145"/>
-          </a:xfrm>
-          <a:prstGeom prst="rect">
-            <a:avLst/>
-          </a:prstGeom>
-        </p:spPr>
-      </p:pic>
-      <p:pic>
-        <p:nvPicPr>
-          <p:cNvPr id="10" name="Imagem 9">
-            <a:extLst>
-              <a:ext uri="{FF2B5EF4-FFF2-40B4-BE49-F238E27FC236}">
-                <a16:creationId xmlns:a16="http://schemas.microsoft.com/office/drawing/2014/main" id="{FCDAB0C3-B897-5BB2-BE95-3126A1DAF707}"/>
-              </a:ext>
-            </a:extLst>
-          </p:cNvPr>
-          <p:cNvPicPr>
-            <a:picLocks noChangeAspect="1"/>
-          </p:cNvPicPr>
-          <p:nvPr/>
-        </p:nvPicPr>
-        <p:blipFill>
-          <a:blip r:embed="rId4"/>
-          <a:stretch>
-            <a:fillRect/>
-          </a:stretch>
-        </p:blipFill>
-        <p:spPr>
-          <a:xfrm>
-            <a:off x="9144000" y="1012868"/>
-            <a:ext cx="5790457" cy="5194571"/>
-          </a:xfrm>
-          <a:prstGeom prst="rect">
-            <a:avLst/>
-          </a:prstGeom>
-        </p:spPr>
-      </p:pic>
     </p:spTree>
     <p:extLst>
       <p:ext uri="{BB962C8B-B14F-4D97-AF65-F5344CB8AC3E}">

--- a/Aula11-Manipulação de Estados/Aula11-Manipulação de Estados.pptx
+++ b/Aula11-Manipulação de Estados/Aula11-Manipulação de Estados.pptx
@@ -343,7 +343,7 @@
             <a:fld id="{1D8BD707-D9CF-40AE-B4C6-C98DA3205C09}" type="datetimeFigureOut">
               <a:rPr lang="en-US" smtClean="0"/>
               <a:pPr/>
-              <a:t>11/24/2025</a:t>
+              <a:t>11/25/2025</a:t>
             </a:fld>
             <a:endParaRPr lang="en-US"/>
           </a:p>
@@ -508,7 +508,7 @@
             <a:fld id="{1D8BD707-D9CF-40AE-B4C6-C98DA3205C09}" type="datetimeFigureOut">
               <a:rPr lang="en-US" smtClean="0"/>
               <a:pPr/>
-              <a:t>11/24/2025</a:t>
+              <a:t>11/25/2025</a:t>
             </a:fld>
             <a:endParaRPr lang="en-US"/>
           </a:p>
@@ -683,7 +683,7 @@
             <a:fld id="{1D8BD707-D9CF-40AE-B4C6-C98DA3205C09}" type="datetimeFigureOut">
               <a:rPr lang="en-US" smtClean="0"/>
               <a:pPr/>
-              <a:t>11/24/2025</a:t>
+              <a:t>11/25/2025</a:t>
             </a:fld>
             <a:endParaRPr lang="en-US"/>
           </a:p>
@@ -848,7 +848,7 @@
             <a:fld id="{1D8BD707-D9CF-40AE-B4C6-C98DA3205C09}" type="datetimeFigureOut">
               <a:rPr lang="en-US" smtClean="0"/>
               <a:pPr/>
-              <a:t>11/24/2025</a:t>
+              <a:t>11/25/2025</a:t>
             </a:fld>
             <a:endParaRPr lang="en-US"/>
           </a:p>
@@ -1090,7 +1090,7 @@
             <a:fld id="{1D8BD707-D9CF-40AE-B4C6-C98DA3205C09}" type="datetimeFigureOut">
               <a:rPr lang="en-US" smtClean="0"/>
               <a:pPr/>
-              <a:t>11/24/2025</a:t>
+              <a:t>11/25/2025</a:t>
             </a:fld>
             <a:endParaRPr lang="en-US"/>
           </a:p>
@@ -1372,7 +1372,7 @@
             <a:fld id="{1D8BD707-D9CF-40AE-B4C6-C98DA3205C09}" type="datetimeFigureOut">
               <a:rPr lang="en-US" smtClean="0"/>
               <a:pPr/>
-              <a:t>11/24/2025</a:t>
+              <a:t>11/25/2025</a:t>
             </a:fld>
             <a:endParaRPr lang="en-US"/>
           </a:p>
@@ -1788,7 +1788,7 @@
             <a:fld id="{1D8BD707-D9CF-40AE-B4C6-C98DA3205C09}" type="datetimeFigureOut">
               <a:rPr lang="en-US" smtClean="0"/>
               <a:pPr/>
-              <a:t>11/24/2025</a:t>
+              <a:t>11/25/2025</a:t>
             </a:fld>
             <a:endParaRPr lang="en-US"/>
           </a:p>
@@ -1902,7 +1902,7 @@
             <a:fld id="{1D8BD707-D9CF-40AE-B4C6-C98DA3205C09}" type="datetimeFigureOut">
               <a:rPr lang="en-US" smtClean="0"/>
               <a:pPr/>
-              <a:t>11/24/2025</a:t>
+              <a:t>11/25/2025</a:t>
             </a:fld>
             <a:endParaRPr lang="en-US"/>
           </a:p>
@@ -1994,7 +1994,7 @@
             <a:fld id="{1D8BD707-D9CF-40AE-B4C6-C98DA3205C09}" type="datetimeFigureOut">
               <a:rPr lang="en-US" smtClean="0"/>
               <a:pPr/>
-              <a:t>11/24/2025</a:t>
+              <a:t>11/25/2025</a:t>
             </a:fld>
             <a:endParaRPr lang="en-US"/>
           </a:p>
@@ -2266,7 +2266,7 @@
             <a:fld id="{1D8BD707-D9CF-40AE-B4C6-C98DA3205C09}" type="datetimeFigureOut">
               <a:rPr lang="en-US" smtClean="0"/>
               <a:pPr/>
-              <a:t>11/24/2025</a:t>
+              <a:t>11/25/2025</a:t>
             </a:fld>
             <a:endParaRPr lang="en-US"/>
           </a:p>
@@ -2515,7 +2515,7 @@
             <a:fld id="{1D8BD707-D9CF-40AE-B4C6-C98DA3205C09}" type="datetimeFigureOut">
               <a:rPr lang="en-US" smtClean="0"/>
               <a:pPr/>
-              <a:t>11/24/2025</a:t>
+              <a:t>11/25/2025</a:t>
             </a:fld>
             <a:endParaRPr lang="en-US"/>
           </a:p>
@@ -2723,7 +2723,7 @@
             <a:fld id="{1D8BD707-D9CF-40AE-B4C6-C98DA3205C09}" type="datetimeFigureOut">
               <a:rPr lang="en-US" smtClean="0"/>
               <a:pPr/>
-              <a:t>11/24/2025</a:t>
+              <a:t>11/25/2025</a:t>
             </a:fld>
             <a:endParaRPr lang="en-US"/>
           </a:p>
@@ -3371,7 +3371,7 @@
         <p:spPr>
           <a:xfrm>
             <a:off x="814372" y="7555634"/>
-            <a:ext cx="11682427" cy="3080395"/>
+            <a:ext cx="11682427" cy="1195264"/>
           </a:xfrm>
           <a:prstGeom prst="rect">
             <a:avLst/>
@@ -3422,15 +3422,17 @@
                 </a:solidFill>
                 <a:latin typeface="Lato"/>
               </a:rPr>
-              <a:t>:</a:t>
-            </a:r>
-          </a:p>
-          <a:p>
-            <a:pPr>
-              <a:lnSpc>
-                <a:spcPts val="4900"/>
-              </a:lnSpc>
-            </a:pPr>
+              <a:t>: João Victor, Paulo Vitor e </a:t>
+            </a:r>
+            <a:r>
+              <a:rPr lang="en-US" sz="3500" spc="350" dirty="0" err="1">
+                <a:solidFill>
+                  <a:srgbClr val="000000"/>
+                </a:solidFill>
+                <a:latin typeface="Lato"/>
+              </a:rPr>
+              <a:t>Talysson</a:t>
+            </a:r>
             <a:r>
               <a:rPr lang="en-US" sz="3500" spc="350" dirty="0">
                 <a:solidFill>
@@ -3438,62 +3440,8 @@
                 </a:solidFill>
                 <a:latin typeface="Lato"/>
               </a:rPr>
-              <a:t>Paulo Vitor</a:t>
-            </a:r>
-          </a:p>
-          <a:p>
-            <a:pPr>
-              <a:lnSpc>
-                <a:spcPts val="4900"/>
-              </a:lnSpc>
-            </a:pPr>
-            <a:r>
-              <a:rPr lang="en-US" sz="3500" spc="350" dirty="0" err="1">
-                <a:solidFill>
-                  <a:srgbClr val="000000"/>
-                </a:solidFill>
-                <a:latin typeface="Lato"/>
-              </a:rPr>
-              <a:t>Talysson</a:t>
-            </a:r>
-            <a:r>
-              <a:rPr lang="en-US" sz="3500" spc="350" dirty="0">
-                <a:solidFill>
-                  <a:srgbClr val="000000"/>
-                </a:solidFill>
-                <a:latin typeface="Lato"/>
-              </a:rPr>
-              <a:t> Vasconcelos</a:t>
-            </a:r>
-          </a:p>
-          <a:p>
-            <a:pPr>
-              <a:lnSpc>
-                <a:spcPts val="4900"/>
-              </a:lnSpc>
-            </a:pPr>
-            <a:r>
-              <a:rPr lang="en-US" sz="3500" spc="350" dirty="0">
-                <a:solidFill>
-                  <a:srgbClr val="000000"/>
-                </a:solidFill>
-                <a:latin typeface="Lato"/>
-              </a:rPr>
-              <a:t>João Hungria</a:t>
-            </a:r>
-          </a:p>
-          <a:p>
-            <a:pPr>
-              <a:lnSpc>
-                <a:spcPts val="4900"/>
-              </a:lnSpc>
-            </a:pPr>
-            <a:endParaRPr lang="en-US" sz="3500" spc="350" dirty="0">
-              <a:solidFill>
-                <a:srgbClr val="000000"/>
-              </a:solidFill>
-              <a:latin typeface="Lato"/>
-            </a:endParaRPr>
+              <a:t> Vasconcelos </a:t>
+            </a:r>
           </a:p>
         </p:txBody>
       </p:sp>
@@ -3973,7 +3921,7 @@
                 <a:ea typeface="Lato" panose="020B0604020202020204" charset="0"/>
                 <a:cs typeface="Lato" panose="020B0604020202020204" charset="0"/>
               </a:rPr>
-              <a:t>funcinalidades</a:t>
+              <a:t>funcionalidades</a:t>
             </a:r>
             <a:r>
               <a:rPr lang="en-US" sz="3399" spc="339" dirty="0">
@@ -6292,7 +6240,7 @@
           <p:cNvPr id="4" name="Imagem 3">
             <a:extLst>
               <a:ext uri="{FF2B5EF4-FFF2-40B4-BE49-F238E27FC236}">
-                <a16:creationId xmlns:a16="http://schemas.microsoft.com/office/drawing/2014/main" id="{6E9ED6FE-AA33-AEBB-DF15-E6D64FB20C92}"/>
+                <a16:creationId xmlns:a16="http://schemas.microsoft.com/office/drawing/2014/main" id="{A11596C1-B4A5-2435-CAB4-93B1B8AD814F}"/>
               </a:ext>
             </a:extLst>
           </p:cNvPr>
@@ -6309,8 +6257,8 @@
         </p:blipFill>
         <p:spPr>
           <a:xfrm>
-            <a:off x="10378478" y="2476500"/>
-            <a:ext cx="7081784" cy="4821640"/>
+            <a:off x="10928383" y="5088340"/>
+            <a:ext cx="5960163" cy="2188760"/>
           </a:xfrm>
           <a:prstGeom prst="rect">
             <a:avLst/>
@@ -6655,7 +6603,7 @@
                 <a:ea typeface="Lato" panose="020B0604020202020204" charset="0"/>
                 <a:cs typeface="Lato" panose="020B0604020202020204" charset="0"/>
               </a:rPr>
-              <a:t>CounterProvider</a:t>
+              <a:t>TodoListProvider</a:t>
             </a:r>
             <a:r>
               <a:rPr lang="en-US" sz="3399" spc="339" dirty="0">
@@ -7173,7 +7121,7 @@
                 <a:ea typeface="Lato" panose="020B0604020202020204" charset="0"/>
                 <a:cs typeface="Lato" panose="020B0604020202020204" charset="0"/>
               </a:rPr>
-              <a:t>CounterProvider</a:t>
+              <a:t>TodoListProvider</a:t>
             </a:r>
             <a:r>
               <a:rPr lang="en-US" sz="3399" spc="339" dirty="0">
@@ -7431,28 +7379,28 @@
       </p:sp>
       <p:pic>
         <p:nvPicPr>
-          <p:cNvPr id="3" name="Imagem 2"/>
+          <p:cNvPr id="4" name="Imagem 3">
+            <a:extLst>
+              <a:ext uri="{FF2B5EF4-FFF2-40B4-BE49-F238E27FC236}">
+                <a16:creationId xmlns:a16="http://schemas.microsoft.com/office/drawing/2014/main" id="{6FAA4800-E705-2C7A-D9D4-8A93A78BD796}"/>
+              </a:ext>
+            </a:extLst>
+          </p:cNvPr>
           <p:cNvPicPr>
             <a:picLocks noChangeAspect="1"/>
           </p:cNvPicPr>
           <p:nvPr/>
         </p:nvPicPr>
         <p:blipFill>
-          <a:blip r:embed="rId2">
-            <a:extLst>
-              <a:ext uri="{28A0092B-C50C-407E-A947-70E740481C1C}">
-                <a14:useLocalDpi xmlns:a14="http://schemas.microsoft.com/office/drawing/2010/main" val="0"/>
-              </a:ext>
-            </a:extLst>
-          </a:blip>
+          <a:blip r:embed="rId2"/>
           <a:stretch>
             <a:fillRect/>
           </a:stretch>
         </p:blipFill>
         <p:spPr>
           <a:xfrm>
-            <a:off x="10515600" y="3162300"/>
-            <a:ext cx="7412776" cy="3812719"/>
+            <a:off x="10744200" y="2963660"/>
+            <a:ext cx="7154273" cy="4334480"/>
           </a:xfrm>
           <a:prstGeom prst="rect">
             <a:avLst/>
@@ -7600,57 +7548,28 @@
       </p:sp>
       <p:pic>
         <p:nvPicPr>
-          <p:cNvPr id="4" name="Imagem 3"/>
+          <p:cNvPr id="3" name="Imagem 2">
+            <a:extLst>
+              <a:ext uri="{FF2B5EF4-FFF2-40B4-BE49-F238E27FC236}">
+                <a16:creationId xmlns:a16="http://schemas.microsoft.com/office/drawing/2014/main" id="{AD985295-C0E4-9E91-BF0F-2A1B7785C3C3}"/>
+              </a:ext>
+            </a:extLst>
+          </p:cNvPr>
           <p:cNvPicPr>
             <a:picLocks noChangeAspect="1"/>
           </p:cNvPicPr>
           <p:nvPr/>
         </p:nvPicPr>
         <p:blipFill>
-          <a:blip r:embed="rId2">
-            <a:extLst>
-              <a:ext uri="{28A0092B-C50C-407E-A947-70E740481C1C}">
-                <a14:useLocalDpi xmlns:a14="http://schemas.microsoft.com/office/drawing/2010/main" val="0"/>
-              </a:ext>
-            </a:extLst>
-          </a:blip>
+          <a:blip r:embed="rId2"/>
           <a:stretch>
             <a:fillRect/>
           </a:stretch>
         </p:blipFill>
         <p:spPr>
           <a:xfrm>
-            <a:off x="4604793" y="952500"/>
-            <a:ext cx="4191000" cy="7667978"/>
-          </a:xfrm>
-          <a:prstGeom prst="rect">
-            <a:avLst/>
-          </a:prstGeom>
-        </p:spPr>
-      </p:pic>
-      <p:pic>
-        <p:nvPicPr>
-          <p:cNvPr id="5" name="Imagem 4"/>
-          <p:cNvPicPr>
-            <a:picLocks noChangeAspect="1"/>
-          </p:cNvPicPr>
-          <p:nvPr/>
-        </p:nvPicPr>
-        <p:blipFill rotWithShape="1">
-          <a:blip r:embed="rId3">
-            <a:extLst>
-              <a:ext uri="{28A0092B-C50C-407E-A947-70E740481C1C}">
-                <a14:useLocalDpi xmlns:a14="http://schemas.microsoft.com/office/drawing/2010/main" val="0"/>
-              </a:ext>
-            </a:extLst>
-          </a:blip>
-          <a:srcRect l="2930"/>
-          <a:stretch/>
-        </p:blipFill>
-        <p:spPr>
-          <a:xfrm>
-            <a:off x="9372599" y="952500"/>
-            <a:ext cx="4088577" cy="7667978"/>
+            <a:off x="4885730" y="1030490"/>
+            <a:ext cx="8516539" cy="7659169"/>
           </a:xfrm>
           <a:prstGeom prst="rect">
             <a:avLst/>
@@ -8425,18 +8344,40 @@
                 <a:ea typeface="Lato" panose="020B0604020202020204" charset="0"/>
                 <a:cs typeface="Lato" panose="020B0604020202020204" charset="0"/>
               </a:rPr>
-              <a:t> (o </a:t>
-            </a:r>
-            <a:r>
-              <a:rPr lang="en-US" sz="3399" spc="339" dirty="0" err="1">
-                <a:solidFill>
-                  <a:srgbClr val="000000"/>
-                </a:solidFill>
-                <a:latin typeface="Lato" panose="020B0604020202020204" charset="0"/>
-                <a:ea typeface="Lato" panose="020B0604020202020204" charset="0"/>
-                <a:cs typeface="Lato" panose="020B0604020202020204" charset="0"/>
-              </a:rPr>
-              <a:t>contador</a:t>
+              <a:t> (a </a:t>
+            </a:r>
+            <a:r>
+              <a:rPr lang="en-US" sz="3399" spc="339" dirty="0" err="1">
+                <a:solidFill>
+                  <a:srgbClr val="000000"/>
+                </a:solidFill>
+                <a:latin typeface="Lato" panose="020B0604020202020204" charset="0"/>
+                <a:ea typeface="Lato" panose="020B0604020202020204" charset="0"/>
+                <a:cs typeface="Lato" panose="020B0604020202020204" charset="0"/>
+              </a:rPr>
+              <a:t>lista</a:t>
+            </a:r>
+            <a:r>
+              <a:rPr lang="en-US" sz="3399" spc="339" dirty="0">
+                <a:solidFill>
+                  <a:srgbClr val="000000"/>
+                </a:solidFill>
+                <a:latin typeface="Lato" panose="020B0604020202020204" charset="0"/>
+                <a:ea typeface="Lato" panose="020B0604020202020204" charset="0"/>
+                <a:cs typeface="Lato" panose="020B0604020202020204" charset="0"/>
+              </a:rPr>
+              <a:t> de </a:t>
+            </a:r>
+            <a:r>
+              <a:rPr lang="en-US" sz="3399" spc="339" dirty="0" err="1">
+                <a:solidFill>
+                  <a:srgbClr val="000000"/>
+                </a:solidFill>
+                <a:latin typeface="Lato" panose="020B0604020202020204" charset="0"/>
+                <a:ea typeface="Lato" panose="020B0604020202020204" charset="0"/>
+                <a:cs typeface="Lato" panose="020B0604020202020204" charset="0"/>
+              </a:rPr>
+              <a:t>tarefas</a:t>
             </a:r>
             <a:r>
               <a:rPr lang="en-US" sz="3399" spc="339" dirty="0">
@@ -8469,29 +8410,7 @@
                 <a:ea typeface="Lato" panose="020B0604020202020204" charset="0"/>
                 <a:cs typeface="Lato" panose="020B0604020202020204" charset="0"/>
               </a:rPr>
-              <a:t> widgets (</a:t>
-            </a:r>
-            <a:r>
-              <a:rPr lang="en-US" sz="3399" spc="339" dirty="0" err="1">
-                <a:solidFill>
-                  <a:srgbClr val="000000"/>
-                </a:solidFill>
-                <a:latin typeface="Lato" panose="020B0604020202020204" charset="0"/>
-                <a:ea typeface="Lato" panose="020B0604020202020204" charset="0"/>
-                <a:cs typeface="Lato" panose="020B0604020202020204" charset="0"/>
-              </a:rPr>
-              <a:t>MyWidget</a:t>
-            </a:r>
-            <a:r>
-              <a:rPr lang="en-US" sz="3399" spc="339" dirty="0">
-                <a:solidFill>
-                  <a:srgbClr val="000000"/>
-                </a:solidFill>
-                <a:latin typeface="Lato" panose="020B0604020202020204" charset="0"/>
-                <a:ea typeface="Lato" panose="020B0604020202020204" charset="0"/>
-                <a:cs typeface="Lato" panose="020B0604020202020204" charset="0"/>
-              </a:rPr>
-              <a:t>) </a:t>
+              <a:t> widgets </a:t>
             </a:r>
             <a:r>
               <a:rPr lang="en-US" sz="3399" spc="339" dirty="0" err="1">
@@ -8535,29 +8454,7 @@
                 <a:ea typeface="Lato" panose="020B0604020202020204" charset="0"/>
                 <a:cs typeface="Lato" panose="020B0604020202020204" charset="0"/>
               </a:rPr>
-              <a:t> </a:t>
-            </a:r>
-            <a:r>
-              <a:rPr lang="en-US" sz="3399" spc="339" dirty="0" err="1">
-                <a:solidFill>
-                  <a:srgbClr val="000000"/>
-                </a:solidFill>
-                <a:latin typeface="Lato" panose="020B0604020202020204" charset="0"/>
-                <a:ea typeface="Lato" panose="020B0604020202020204" charset="0"/>
-                <a:cs typeface="Lato" panose="020B0604020202020204" charset="0"/>
-              </a:rPr>
-              <a:t>esses</a:t>
-            </a:r>
-            <a:r>
-              <a:rPr lang="en-US" sz="3399" spc="339" dirty="0">
-                <a:solidFill>
-                  <a:srgbClr val="000000"/>
-                </a:solidFill>
-                <a:latin typeface="Lato" panose="020B0604020202020204" charset="0"/>
-                <a:ea typeface="Lato" panose="020B0604020202020204" charset="0"/>
-                <a:cs typeface="Lato" panose="020B0604020202020204" charset="0"/>
-              </a:rPr>
-              <a:t> dados e </a:t>
+              <a:t> esses dados e </a:t>
             </a:r>
             <a:r>
               <a:rPr lang="en-US" sz="3399" spc="339" dirty="0" err="1">
@@ -8614,7 +8511,7 @@
         </p:nvSpPr>
         <p:spPr>
           <a:xfrm>
-            <a:off x="11965064" y="7579519"/>
+            <a:off x="12506248" y="6519081"/>
             <a:ext cx="3510898" cy="461665"/>
           </a:xfrm>
           <a:prstGeom prst="rect">
@@ -8655,28 +8552,28 @@
       </p:sp>
       <p:pic>
         <p:nvPicPr>
-          <p:cNvPr id="4" name="Imagem 3"/>
+          <p:cNvPr id="5" name="Imagem 4">
+            <a:extLst>
+              <a:ext uri="{FF2B5EF4-FFF2-40B4-BE49-F238E27FC236}">
+                <a16:creationId xmlns:a16="http://schemas.microsoft.com/office/drawing/2014/main" id="{338FB6B1-AAA3-983E-4F32-D31F02940765}"/>
+              </a:ext>
+            </a:extLst>
+          </p:cNvPr>
           <p:cNvPicPr>
             <a:picLocks noChangeAspect="1"/>
           </p:cNvPicPr>
           <p:nvPr/>
         </p:nvPicPr>
         <p:blipFill>
-          <a:blip r:embed="rId2">
-            <a:extLst>
-              <a:ext uri="{28A0092B-C50C-407E-A947-70E740481C1C}">
-                <a14:useLocalDpi xmlns:a14="http://schemas.microsoft.com/office/drawing/2010/main" val="0"/>
-              </a:ext>
-            </a:extLst>
-          </a:blip>
+          <a:blip r:embed="rId2"/>
           <a:stretch>
             <a:fillRect/>
           </a:stretch>
         </p:blipFill>
         <p:spPr>
           <a:xfrm>
-            <a:off x="10287000" y="3540919"/>
-            <a:ext cx="6867026" cy="4038600"/>
+            <a:off x="10820399" y="3900314"/>
+            <a:ext cx="6882597" cy="2614786"/>
           </a:xfrm>
           <a:prstGeom prst="rect">
             <a:avLst/>
@@ -8775,66 +8672,6 @@
           </p:txBody>
         </p:sp>
       </p:grpSp>
-      <p:pic>
-        <p:nvPicPr>
-          <p:cNvPr id="2" name="Imagem 1"/>
-          <p:cNvPicPr>
-            <a:picLocks noChangeAspect="1"/>
-          </p:cNvPicPr>
-          <p:nvPr/>
-        </p:nvPicPr>
-        <p:blipFill>
-          <a:blip r:embed="rId2">
-            <a:extLst>
-              <a:ext uri="{28A0092B-C50C-407E-A947-70E740481C1C}">
-                <a14:useLocalDpi xmlns:a14="http://schemas.microsoft.com/office/drawing/2010/main" val="0"/>
-              </a:ext>
-            </a:extLst>
-          </a:blip>
-          <a:stretch>
-            <a:fillRect/>
-          </a:stretch>
-        </p:blipFill>
-        <p:spPr>
-          <a:xfrm>
-            <a:off x="4495800" y="817982"/>
-            <a:ext cx="4419600" cy="8210192"/>
-          </a:xfrm>
-          <a:prstGeom prst="rect">
-            <a:avLst/>
-          </a:prstGeom>
-        </p:spPr>
-      </p:pic>
-      <p:pic>
-        <p:nvPicPr>
-          <p:cNvPr id="3" name="Imagem 2"/>
-          <p:cNvPicPr>
-            <a:picLocks noChangeAspect="1"/>
-          </p:cNvPicPr>
-          <p:nvPr/>
-        </p:nvPicPr>
-        <p:blipFill>
-          <a:blip r:embed="rId3">
-            <a:extLst>
-              <a:ext uri="{28A0092B-C50C-407E-A947-70E740481C1C}">
-                <a14:useLocalDpi xmlns:a14="http://schemas.microsoft.com/office/drawing/2010/main" val="0"/>
-              </a:ext>
-            </a:extLst>
-          </a:blip>
-          <a:stretch>
-            <a:fillRect/>
-          </a:stretch>
-        </p:blipFill>
-        <p:spPr>
-          <a:xfrm>
-            <a:off x="9448800" y="817982"/>
-            <a:ext cx="4438844" cy="8210192"/>
-          </a:xfrm>
-          <a:prstGeom prst="rect">
-            <a:avLst/>
-          </a:prstGeom>
-        </p:spPr>
-      </p:pic>
       <p:sp>
         <p:nvSpPr>
           <p:cNvPr id="8" name="CaixaDeTexto 7"/>
@@ -8843,7 +8680,7 @@
         </p:nvSpPr>
         <p:spPr>
           <a:xfrm>
-            <a:off x="6935933" y="9258300"/>
+            <a:off x="6400800" y="8496300"/>
             <a:ext cx="5025736" cy="461665"/>
           </a:xfrm>
           <a:prstGeom prst="rect">
@@ -8882,6 +8719,66 @@
           </a:p>
         </p:txBody>
       </p:sp>
+      <p:pic>
+        <p:nvPicPr>
+          <p:cNvPr id="5" name="Imagem 4">
+            <a:extLst>
+              <a:ext uri="{FF2B5EF4-FFF2-40B4-BE49-F238E27FC236}">
+                <a16:creationId xmlns:a16="http://schemas.microsoft.com/office/drawing/2014/main" id="{425C8378-F7A9-24BC-AAC5-24DE31606F4F}"/>
+              </a:ext>
+            </a:extLst>
+          </p:cNvPr>
+          <p:cNvPicPr>
+            <a:picLocks noChangeAspect="1"/>
+          </p:cNvPicPr>
+          <p:nvPr/>
+        </p:nvPicPr>
+        <p:blipFill>
+          <a:blip r:embed="rId2"/>
+          <a:stretch>
+            <a:fillRect/>
+          </a:stretch>
+        </p:blipFill>
+        <p:spPr>
+          <a:xfrm>
+            <a:off x="1828800" y="1790700"/>
+            <a:ext cx="6800270" cy="6100465"/>
+          </a:xfrm>
+          <a:prstGeom prst="rect">
+            <a:avLst/>
+          </a:prstGeom>
+        </p:spPr>
+      </p:pic>
+      <p:pic>
+        <p:nvPicPr>
+          <p:cNvPr id="7" name="Imagem 6">
+            <a:extLst>
+              <a:ext uri="{FF2B5EF4-FFF2-40B4-BE49-F238E27FC236}">
+                <a16:creationId xmlns:a16="http://schemas.microsoft.com/office/drawing/2014/main" id="{0BB74C8D-630E-8B70-A195-D944A64BCD4E}"/>
+              </a:ext>
+            </a:extLst>
+          </p:cNvPr>
+          <p:cNvPicPr>
+            <a:picLocks noChangeAspect="1"/>
+          </p:cNvPicPr>
+          <p:nvPr/>
+        </p:nvPicPr>
+        <p:blipFill>
+          <a:blip r:embed="rId3"/>
+          <a:stretch>
+            <a:fillRect/>
+          </a:stretch>
+        </p:blipFill>
+        <p:spPr>
+          <a:xfrm>
+            <a:off x="9210829" y="1790700"/>
+            <a:ext cx="6800269" cy="6107296"/>
+          </a:xfrm>
+          <a:prstGeom prst="rect">
+            <a:avLst/>
+          </a:prstGeom>
+        </p:spPr>
+      </p:pic>
     </p:spTree>
     <p:extLst>
       <p:ext uri="{BB962C8B-B14F-4D97-AF65-F5344CB8AC3E}">
@@ -9185,7 +9082,7 @@
         <p:spPr>
           <a:xfrm>
             <a:off x="228600" y="1409700"/>
-            <a:ext cx="9448800" cy="8002191"/>
+            <a:ext cx="9448800" cy="7325595"/>
           </a:xfrm>
           <a:prstGeom prst="rect">
             <a:avLst/>
@@ -9578,51 +9475,7 @@
                 <a:ea typeface="Lato" panose="020B0604020202020204" charset="0"/>
                 <a:cs typeface="Lato" panose="020B0604020202020204" charset="0"/>
               </a:rPr>
-              <a:t> dados “</a:t>
-            </a:r>
-            <a:r>
-              <a:rPr lang="en-US" sz="3399" spc="339" dirty="0" err="1">
-                <a:solidFill>
-                  <a:srgbClr val="000000"/>
-                </a:solidFill>
-                <a:latin typeface="Lato" panose="020B0604020202020204" charset="0"/>
-                <a:ea typeface="Lato" panose="020B0604020202020204" charset="0"/>
-                <a:cs typeface="Lato" panose="020B0604020202020204" charset="0"/>
-              </a:rPr>
-              <a:t>nome</a:t>
-            </a:r>
-            <a:r>
-              <a:rPr lang="en-US" sz="3399" spc="339" dirty="0">
-                <a:solidFill>
-                  <a:srgbClr val="000000"/>
-                </a:solidFill>
-                <a:latin typeface="Lato" panose="020B0604020202020204" charset="0"/>
-                <a:ea typeface="Lato" panose="020B0604020202020204" charset="0"/>
-                <a:cs typeface="Lato" panose="020B0604020202020204" charset="0"/>
-              </a:rPr>
-              <a:t>” e “</a:t>
-            </a:r>
-            <a:r>
-              <a:rPr lang="en-US" sz="3399" spc="339" dirty="0" err="1">
-                <a:solidFill>
-                  <a:srgbClr val="000000"/>
-                </a:solidFill>
-                <a:latin typeface="Lato" panose="020B0604020202020204" charset="0"/>
-                <a:ea typeface="Lato" panose="020B0604020202020204" charset="0"/>
-                <a:cs typeface="Lato" panose="020B0604020202020204" charset="0"/>
-              </a:rPr>
-              <a:t>idade</a:t>
-            </a:r>
-            <a:r>
-              <a:rPr lang="en-US" sz="3399" spc="339" dirty="0">
-                <a:solidFill>
-                  <a:srgbClr val="000000"/>
-                </a:solidFill>
-                <a:latin typeface="Lato" panose="020B0604020202020204" charset="0"/>
-                <a:ea typeface="Lato" panose="020B0604020202020204" charset="0"/>
-                <a:cs typeface="Lato" panose="020B0604020202020204" charset="0"/>
-              </a:rPr>
-              <a:t>” entre </a:t>
+              <a:t> dados das tasks entre </a:t>
             </a:r>
             <a:r>
               <a:rPr lang="en-US" sz="3399" spc="339" dirty="0" err="1">
@@ -9903,7 +9756,7 @@
         </p:nvSpPr>
         <p:spPr>
           <a:xfrm>
-            <a:off x="11319275" y="7451556"/>
+            <a:off x="11621005" y="6896100"/>
             <a:ext cx="5052986" cy="461665"/>
           </a:xfrm>
           <a:prstGeom prst="rect">
@@ -9944,28 +9797,28 @@
       </p:sp>
       <p:pic>
         <p:nvPicPr>
-          <p:cNvPr id="2" name="Imagem 1"/>
+          <p:cNvPr id="5" name="Imagem 4">
+            <a:extLst>
+              <a:ext uri="{FF2B5EF4-FFF2-40B4-BE49-F238E27FC236}">
+                <a16:creationId xmlns:a16="http://schemas.microsoft.com/office/drawing/2014/main" id="{1AB04CF5-25A5-554C-6BBE-28695939D5DC}"/>
+              </a:ext>
+            </a:extLst>
+          </p:cNvPr>
           <p:cNvPicPr>
             <a:picLocks noChangeAspect="1"/>
           </p:cNvPicPr>
           <p:nvPr/>
         </p:nvPicPr>
         <p:blipFill>
-          <a:blip r:embed="rId2">
-            <a:extLst>
-              <a:ext uri="{28A0092B-C50C-407E-A947-70E740481C1C}">
-                <a14:useLocalDpi xmlns:a14="http://schemas.microsoft.com/office/drawing/2010/main" val="0"/>
-              </a:ext>
-            </a:extLst>
-          </a:blip>
+          <a:blip r:embed="rId2"/>
           <a:stretch>
             <a:fillRect/>
           </a:stretch>
         </p:blipFill>
         <p:spPr>
           <a:xfrm>
-            <a:off x="10112263" y="2933700"/>
-            <a:ext cx="7851776" cy="4275436"/>
+            <a:off x="10744200" y="3924300"/>
+            <a:ext cx="6806596" cy="2833260"/>
           </a:xfrm>
           <a:prstGeom prst="rect">
             <a:avLst/>
@@ -11555,64 +11408,6 @@
           </p:txBody>
         </p:sp>
       </p:grpSp>
-      <p:pic>
-        <p:nvPicPr>
-          <p:cNvPr id="2" name="Imagem 1"/>
-          <p:cNvPicPr>
-            <a:picLocks noChangeAspect="1"/>
-          </p:cNvPicPr>
-          <p:nvPr/>
-        </p:nvPicPr>
-        <p:blipFill rotWithShape="1">
-          <a:blip r:embed="rId2">
-            <a:extLst>
-              <a:ext uri="{28A0092B-C50C-407E-A947-70E740481C1C}">
-                <a14:useLocalDpi xmlns:a14="http://schemas.microsoft.com/office/drawing/2010/main" val="0"/>
-              </a:ext>
-            </a:extLst>
-          </a:blip>
-          <a:srcRect l="1742" t="774" b="638"/>
-          <a:stretch/>
-        </p:blipFill>
-        <p:spPr>
-          <a:xfrm>
-            <a:off x="9296400" y="810362"/>
-            <a:ext cx="4419600" cy="8304249"/>
-          </a:xfrm>
-          <a:prstGeom prst="rect">
-            <a:avLst/>
-          </a:prstGeom>
-        </p:spPr>
-      </p:pic>
-      <p:pic>
-        <p:nvPicPr>
-          <p:cNvPr id="3" name="Imagem 2"/>
-          <p:cNvPicPr>
-            <a:picLocks noChangeAspect="1"/>
-          </p:cNvPicPr>
-          <p:nvPr/>
-        </p:nvPicPr>
-        <p:blipFill rotWithShape="1">
-          <a:blip r:embed="rId3">
-            <a:extLst>
-              <a:ext uri="{28A0092B-C50C-407E-A947-70E740481C1C}">
-                <a14:useLocalDpi xmlns:a14="http://schemas.microsoft.com/office/drawing/2010/main" val="0"/>
-              </a:ext>
-            </a:extLst>
-          </a:blip>
-          <a:srcRect r="2673"/>
-          <a:stretch/>
-        </p:blipFill>
-        <p:spPr>
-          <a:xfrm>
-            <a:off x="4267200" y="810362"/>
-            <a:ext cx="4343400" cy="8304249"/>
-          </a:xfrm>
-          <a:prstGeom prst="rect">
-            <a:avLst/>
-          </a:prstGeom>
-        </p:spPr>
-      </p:pic>
       <p:sp>
         <p:nvSpPr>
           <p:cNvPr id="8" name="CaixaDeTexto 7"/>
@@ -11621,7 +11416,7 @@
         </p:nvSpPr>
         <p:spPr>
           <a:xfrm>
-            <a:off x="6377159" y="9334500"/>
+            <a:off x="5033404" y="8811898"/>
             <a:ext cx="6167074" cy="461665"/>
           </a:xfrm>
           <a:prstGeom prst="rect">
@@ -11637,20 +11432,12 @@
           <a:p>
             <a:pPr algn="ctr"/>
             <a:r>
-              <a:rPr lang="pt-BR" sz="2400">
-                <a:latin typeface="Lato" panose="020B0604020202020204" charset="0"/>
-                <a:ea typeface="Lato" panose="020B0604020202020204" charset="0"/>
-                <a:cs typeface="Lato" panose="020B0604020202020204" charset="0"/>
-              </a:rPr>
-              <a:t>Figura 11 </a:t>
-            </a:r>
-            <a:r>
               <a:rPr lang="pt-BR" sz="2400" dirty="0">
                 <a:latin typeface="Lato" panose="020B0604020202020204" charset="0"/>
                 <a:ea typeface="Lato" panose="020B0604020202020204" charset="0"/>
                 <a:cs typeface="Lato" panose="020B0604020202020204" charset="0"/>
               </a:rPr>
-              <a:t>– Exemplo com o </a:t>
+              <a:t>Figura 11 – Exemplo com o </a:t>
             </a:r>
             <a:r>
               <a:rPr lang="pt-BR" sz="2400" dirty="0" err="1">
@@ -11668,6 +11455,96 @@
           </a:p>
         </p:txBody>
       </p:sp>
+      <p:pic>
+        <p:nvPicPr>
+          <p:cNvPr id="5" name="Imagem 4">
+            <a:extLst>
+              <a:ext uri="{FF2B5EF4-FFF2-40B4-BE49-F238E27FC236}">
+                <a16:creationId xmlns:a16="http://schemas.microsoft.com/office/drawing/2014/main" id="{B4C2E720-0044-6176-2096-009CE3976F72}"/>
+              </a:ext>
+            </a:extLst>
+          </p:cNvPr>
+          <p:cNvPicPr>
+            <a:picLocks noChangeAspect="1"/>
+          </p:cNvPicPr>
+          <p:nvPr/>
+        </p:nvPicPr>
+        <p:blipFill>
+          <a:blip r:embed="rId2"/>
+          <a:stretch>
+            <a:fillRect/>
+          </a:stretch>
+        </p:blipFill>
+        <p:spPr>
+          <a:xfrm>
+            <a:off x="1806483" y="1012868"/>
+            <a:ext cx="5791200" cy="5194570"/>
+          </a:xfrm>
+          <a:prstGeom prst="rect">
+            <a:avLst/>
+          </a:prstGeom>
+        </p:spPr>
+      </p:pic>
+      <p:pic>
+        <p:nvPicPr>
+          <p:cNvPr id="7" name="Imagem 6">
+            <a:extLst>
+              <a:ext uri="{FF2B5EF4-FFF2-40B4-BE49-F238E27FC236}">
+                <a16:creationId xmlns:a16="http://schemas.microsoft.com/office/drawing/2014/main" id="{E7AD49F5-2538-4C9C-456E-44351B544257}"/>
+              </a:ext>
+            </a:extLst>
+          </p:cNvPr>
+          <p:cNvPicPr>
+            <a:picLocks noChangeAspect="1"/>
+          </p:cNvPicPr>
+          <p:nvPr/>
+        </p:nvPicPr>
+        <p:blipFill>
+          <a:blip r:embed="rId3"/>
+          <a:stretch>
+            <a:fillRect/>
+          </a:stretch>
+        </p:blipFill>
+        <p:spPr>
+          <a:xfrm>
+            <a:off x="4114800" y="6223270"/>
+            <a:ext cx="8004283" cy="2411145"/>
+          </a:xfrm>
+          <a:prstGeom prst="rect">
+            <a:avLst/>
+          </a:prstGeom>
+        </p:spPr>
+      </p:pic>
+      <p:pic>
+        <p:nvPicPr>
+          <p:cNvPr id="10" name="Imagem 9">
+            <a:extLst>
+              <a:ext uri="{FF2B5EF4-FFF2-40B4-BE49-F238E27FC236}">
+                <a16:creationId xmlns:a16="http://schemas.microsoft.com/office/drawing/2014/main" id="{FCDAB0C3-B897-5BB2-BE95-3126A1DAF707}"/>
+              </a:ext>
+            </a:extLst>
+          </p:cNvPr>
+          <p:cNvPicPr>
+            <a:picLocks noChangeAspect="1"/>
+          </p:cNvPicPr>
+          <p:nvPr/>
+        </p:nvPicPr>
+        <p:blipFill>
+          <a:blip r:embed="rId4"/>
+          <a:stretch>
+            <a:fillRect/>
+          </a:stretch>
+        </p:blipFill>
+        <p:spPr>
+          <a:xfrm>
+            <a:off x="9144000" y="1012868"/>
+            <a:ext cx="5790457" cy="5194571"/>
+          </a:xfrm>
+          <a:prstGeom prst="rect">
+            <a:avLst/>
+          </a:prstGeom>
+        </p:spPr>
+      </p:pic>
     </p:spTree>
     <p:extLst>
       <p:ext uri="{BB962C8B-B14F-4D97-AF65-F5344CB8AC3E}">
